--- a/Система «Платежи».pptx
+++ b/Система «Платежи».pptx
@@ -108,6 +108,11 @@
       </a:defRPr>
     </a:lvl9pPr>
   </p:defaultTextStyle>
+  <p:extLst>
+    <p:ext uri="{EFAFB233-063F-42B5-8137-9DF3F51BA10A}">
+      <p15:sldGuideLst xmlns:p15="http://schemas.microsoft.com/office/powerpoint/2012/main"/>
+    </p:ext>
+  </p:extLst>
 </p:presentation>
 </file>
 
@@ -337,7 +342,7 @@
           <a:p>
             <a:fld id="{4BDF68E2-58F2-4D09-BE8B-E3BD06533059}" type="datetimeFigureOut">
               <a:rPr lang="en-US" dirty="0"/>
-              <a:t>12/10/2016</a:t>
+              <a:t>12/17/2016</a:t>
             </a:fld>
             <a:endParaRPr lang="en-US" dirty="0"/>
           </a:p>
@@ -540,7 +545,7 @@
           <a:p>
             <a:fld id="{2E2D6473-DF6D-4702-B328-E0DD40540A4E}" type="datetimeFigureOut">
               <a:rPr lang="en-US" dirty="0"/>
-              <a:t>12/10/2016</a:t>
+              <a:t>12/17/2016</a:t>
             </a:fld>
             <a:endParaRPr lang="en-US" dirty="0"/>
           </a:p>
@@ -791,7 +796,7 @@
           <a:p>
             <a:fld id="{E26F7E3A-B166-407D-9866-32884E7D5B37}" type="datetimeFigureOut">
               <a:rPr lang="en-US" dirty="0"/>
-              <a:t>12/10/2016</a:t>
+              <a:t>12/17/2016</a:t>
             </a:fld>
             <a:endParaRPr lang="en-US" dirty="0"/>
           </a:p>
@@ -960,7 +965,7 @@
           <a:p>
             <a:fld id="{528FC5F6-F338-4AE4-BB23-26385BCFC423}" type="datetimeFigureOut">
               <a:rPr lang="en-US" dirty="0"/>
-              <a:t>12/10/2016</a:t>
+              <a:t>12/17/2016</a:t>
             </a:fld>
             <a:endParaRPr lang="en-US" dirty="0"/>
           </a:p>
@@ -1298,7 +1303,7 @@
           <a:p>
             <a:fld id="{20EBB0C4-6273-4C6E-B9BD-2EDC30F1CD52}" type="datetimeFigureOut">
               <a:rPr lang="en-US" dirty="0"/>
-              <a:t>12/10/2016</a:t>
+              <a:t>12/17/2016</a:t>
             </a:fld>
             <a:endParaRPr lang="en-US" dirty="0"/>
           </a:p>
@@ -1568,7 +1573,7 @@
           <a:p>
             <a:fld id="{19AB4D41-86C1-4908-B66A-0B50CEB3BF29}" type="datetimeFigureOut">
               <a:rPr lang="en-US" dirty="0"/>
-              <a:t>12/10/2016</a:t>
+              <a:t>12/17/2016</a:t>
             </a:fld>
             <a:endParaRPr lang="en-US" dirty="0"/>
           </a:p>
@@ -1942,7 +1947,7 @@
           <a:p>
             <a:fld id="{E6426E2C-56C1-4E0D-A793-0088A7FDD37E}" type="datetimeFigureOut">
               <a:rPr lang="en-US" dirty="0"/>
-              <a:t>12/10/2016</a:t>
+              <a:t>12/17/2016</a:t>
             </a:fld>
             <a:endParaRPr lang="en-US" dirty="0"/>
           </a:p>
@@ -2055,7 +2060,7 @@
           <a:p>
             <a:fld id="{C8C39B41-D8B5-4052-B551-9B5525EAA8B6}" type="datetimeFigureOut">
               <a:rPr lang="en-US" dirty="0"/>
-              <a:t>12/10/2016</a:t>
+              <a:t>12/17/2016</a:t>
             </a:fld>
             <a:endParaRPr lang="en-US" dirty="0"/>
           </a:p>
@@ -2221,7 +2226,7 @@
           <a:p>
             <a:fld id="{4D94136C-8742-45B2-AF27-D93DF72833A9}" type="datetimeFigureOut">
               <a:rPr lang="en-US" dirty="0"/>
-              <a:t>12/10/2016</a:t>
+              <a:t>12/17/2016</a:t>
             </a:fld>
             <a:endParaRPr lang="en-US" dirty="0"/>
           </a:p>
@@ -2571,7 +2576,7 @@
           <a:p>
             <a:fld id="{32ABBEA6-7C60-4B02-AE87-00D78D8422AF}" type="datetimeFigureOut">
               <a:rPr lang="en-US" dirty="0"/>
-              <a:t>12/10/2016</a:t>
+              <a:t>12/17/2016</a:t>
             </a:fld>
             <a:endParaRPr lang="en-US" dirty="0"/>
           </a:p>
@@ -2949,7 +2954,7 @@
           <a:p>
             <a:fld id="{C9CAD897-D46E-4AD2-BD9B-49DD3E640873}" type="datetimeFigureOut">
               <a:rPr lang="en-US" dirty="0"/>
-              <a:t>12/10/2016</a:t>
+              <a:t>12/17/2016</a:t>
             </a:fld>
             <a:endParaRPr lang="en-US" dirty="0"/>
           </a:p>
@@ -3231,7 +3236,7 @@
           <a:p>
             <a:fld id="{98624D31-43A5-475A-80CF-332C9F6DCF35}" type="datetimeFigureOut">
               <a:rPr lang="en-US" dirty="0"/>
-              <a:t>12/10/2016</a:t>
+              <a:t>12/17/2016</a:t>
             </a:fld>
             <a:endParaRPr lang="en-US" dirty="0"/>
           </a:p>
@@ -3767,6 +3772,7 @@
           <a:bodyPr/>
           <a:lstStyle/>
           <a:p>
+            <a:pPr algn="ctr"/>
             <a:r>
               <a:rPr lang="ru-RU" dirty="0" smtClean="0"/>
               <a:t>Система «Платежи»</a:t>
@@ -3785,15 +3791,43 @@
             <p:ph type="subTitle" idx="1"/>
           </p:nvPr>
         </p:nvSpPr>
-        <p:spPr/>
-        <p:txBody>
-          <a:bodyPr/>
+        <p:spPr>
+          <a:xfrm>
+            <a:off x="1100051" y="4455619"/>
+            <a:ext cx="10058400" cy="1317651"/>
+          </a:xfrm>
+        </p:spPr>
+        <p:txBody>
+          <a:bodyPr>
+            <a:normAutofit fontScale="92500" lnSpcReduction="10000"/>
+          </a:bodyPr>
           <a:lstStyle/>
           <a:p>
+            <a:r>
+              <a:rPr lang="ru-RU" dirty="0" smtClean="0"/>
+              <a:t>Кара </a:t>
+            </a:r>
+            <a:r>
+              <a:rPr lang="ru-RU" dirty="0" smtClean="0"/>
+              <a:t>Владимир</a:t>
+            </a:r>
+          </a:p>
+          <a:p>
             <a:pPr algn="r"/>
+            <a:endParaRPr lang="en-US" dirty="0" smtClean="0"/>
+          </a:p>
+          <a:p>
             <a:r>
               <a:rPr lang="ru-RU" dirty="0" smtClean="0"/>
-              <a:t>Кара Владимир</a:t>
+              <a:t>Тренеры: Ляшенко Максим, </a:t>
+            </a:r>
+            <a:r>
+              <a:rPr lang="ru-RU" dirty="0" err="1" smtClean="0"/>
+              <a:t>Смаковский</a:t>
+            </a:r>
+            <a:r>
+              <a:rPr lang="ru-RU" dirty="0" smtClean="0"/>
+              <a:t> Денис</a:t>
             </a:r>
             <a:endParaRPr lang="ru-RU" dirty="0"/>
           </a:p>
@@ -5017,6 +5051,13 @@
           </a:bodyPr>
           <a:lstStyle/>
           <a:p>
+            <a:pPr marL="0" indent="0">
+              <a:buNone/>
+            </a:pPr>
+            <a:r>
+              <a:rPr lang="en-US" sz="2800" dirty="0"/>
+              <a:t> </a:t>
+            </a:r>
             <a:r>
               <a:rPr lang="ru-RU" sz="2800" dirty="0" smtClean="0"/>
               <a:t>1</a:t>
@@ -5029,8 +5070,13 @@
           <a:p>
             <a:r>
               <a:rPr lang="en-US" sz="2800" dirty="0" smtClean="0"/>
-              <a:t>2. MySQL.</a:t>
-            </a:r>
+              <a:t>2. </a:t>
+            </a:r>
+            <a:r>
+              <a:rPr lang="en-US" sz="2800" dirty="0" smtClean="0"/>
+              <a:t>Apache Tomcat, MySQL.</a:t>
+            </a:r>
+            <a:endParaRPr lang="en-US" sz="2800" dirty="0" smtClean="0"/>
           </a:p>
           <a:p>
             <a:r>
@@ -5039,17 +5085,30 @@
             </a:r>
             <a:r>
               <a:rPr lang="en-US" sz="2800" dirty="0" err="1" smtClean="0"/>
-              <a:t>Junit</a:t>
+              <a:t>JUnit</a:t>
             </a:r>
             <a:r>
               <a:rPr lang="en-US" sz="2800" dirty="0" smtClean="0"/>
+              <a:t>, </a:t>
+            </a:r>
+            <a:r>
+              <a:rPr lang="en-US" sz="2800" dirty="0" err="1" smtClean="0"/>
+              <a:t>Mockito</a:t>
+            </a:r>
+            <a:r>
+              <a:rPr lang="en-US" sz="2800" dirty="0"/>
               <a:t>.</a:t>
             </a:r>
+            <a:endParaRPr lang="en-US" sz="2800" dirty="0" smtClean="0"/>
           </a:p>
           <a:p>
             <a:r>
               <a:rPr lang="en-US" sz="2800" dirty="0" smtClean="0"/>
-              <a:t>3. Log4f.</a:t>
+              <a:t>3. </a:t>
+            </a:r>
+            <a:r>
+              <a:rPr lang="en-US" sz="2800" dirty="0" smtClean="0"/>
+              <a:t>Log4j.</a:t>
             </a:r>
             <a:endParaRPr lang="ru-RU" sz="2800" dirty="0"/>
           </a:p>
